--- a/presentation/OUATH 2 Introduction.pptx
+++ b/presentation/OUATH 2 Introduction.pptx
@@ -264,7 +264,7 @@
           <a:p>
             <a:fld id="{3927E22F-8D88-4B23-AAB8-650FC2E1ECFD}" type="datetimeFigureOut">
               <a:rPr lang="en-US" smtClean="0"/>
-              <a:t>5/23/2018</a:t>
+              <a:t>6/8/2018</a:t>
             </a:fld>
             <a:endParaRPr lang="en-US"/>
           </a:p>
@@ -434,7 +434,7 @@
           <a:p>
             <a:fld id="{3927E22F-8D88-4B23-AAB8-650FC2E1ECFD}" type="datetimeFigureOut">
               <a:rPr lang="en-US" smtClean="0"/>
-              <a:t>5/23/2018</a:t>
+              <a:t>6/8/2018</a:t>
             </a:fld>
             <a:endParaRPr lang="en-US"/>
           </a:p>
@@ -614,7 +614,7 @@
           <a:p>
             <a:fld id="{3927E22F-8D88-4B23-AAB8-650FC2E1ECFD}" type="datetimeFigureOut">
               <a:rPr lang="en-US" smtClean="0"/>
-              <a:t>5/23/2018</a:t>
+              <a:t>6/8/2018</a:t>
             </a:fld>
             <a:endParaRPr lang="en-US"/>
           </a:p>
@@ -784,7 +784,7 @@
           <a:p>
             <a:fld id="{3927E22F-8D88-4B23-AAB8-650FC2E1ECFD}" type="datetimeFigureOut">
               <a:rPr lang="en-US" smtClean="0"/>
-              <a:t>5/23/2018</a:t>
+              <a:t>6/8/2018</a:t>
             </a:fld>
             <a:endParaRPr lang="en-US"/>
           </a:p>
@@ -1030,7 +1030,7 @@
           <a:p>
             <a:fld id="{3927E22F-8D88-4B23-AAB8-650FC2E1ECFD}" type="datetimeFigureOut">
               <a:rPr lang="en-US" smtClean="0"/>
-              <a:t>5/23/2018</a:t>
+              <a:t>6/8/2018</a:t>
             </a:fld>
             <a:endParaRPr lang="en-US"/>
           </a:p>
@@ -1262,7 +1262,7 @@
           <a:p>
             <a:fld id="{3927E22F-8D88-4B23-AAB8-650FC2E1ECFD}" type="datetimeFigureOut">
               <a:rPr lang="en-US" smtClean="0"/>
-              <a:t>5/23/2018</a:t>
+              <a:t>6/8/2018</a:t>
             </a:fld>
             <a:endParaRPr lang="en-US"/>
           </a:p>
@@ -1629,7 +1629,7 @@
           <a:p>
             <a:fld id="{3927E22F-8D88-4B23-AAB8-650FC2E1ECFD}" type="datetimeFigureOut">
               <a:rPr lang="en-US" smtClean="0"/>
-              <a:t>5/23/2018</a:t>
+              <a:t>6/8/2018</a:t>
             </a:fld>
             <a:endParaRPr lang="en-US"/>
           </a:p>
@@ -1747,7 +1747,7 @@
           <a:p>
             <a:fld id="{3927E22F-8D88-4B23-AAB8-650FC2E1ECFD}" type="datetimeFigureOut">
               <a:rPr lang="en-US" smtClean="0"/>
-              <a:t>5/23/2018</a:t>
+              <a:t>6/8/2018</a:t>
             </a:fld>
             <a:endParaRPr lang="en-US"/>
           </a:p>
@@ -1842,7 +1842,7 @@
           <a:p>
             <a:fld id="{3927E22F-8D88-4B23-AAB8-650FC2E1ECFD}" type="datetimeFigureOut">
               <a:rPr lang="en-US" smtClean="0"/>
-              <a:t>5/23/2018</a:t>
+              <a:t>6/8/2018</a:t>
             </a:fld>
             <a:endParaRPr lang="en-US"/>
           </a:p>
@@ -2119,7 +2119,7 @@
           <a:p>
             <a:fld id="{3927E22F-8D88-4B23-AAB8-650FC2E1ECFD}" type="datetimeFigureOut">
               <a:rPr lang="en-US" smtClean="0"/>
-              <a:t>5/23/2018</a:t>
+              <a:t>6/8/2018</a:t>
             </a:fld>
             <a:endParaRPr lang="en-US"/>
           </a:p>
@@ -2372,7 +2372,7 @@
           <a:p>
             <a:fld id="{3927E22F-8D88-4B23-AAB8-650FC2E1ECFD}" type="datetimeFigureOut">
               <a:rPr lang="en-US" smtClean="0"/>
-              <a:t>5/23/2018</a:t>
+              <a:t>6/8/2018</a:t>
             </a:fld>
             <a:endParaRPr lang="en-US"/>
           </a:p>
@@ -2585,7 +2585,7 @@
           <a:p>
             <a:fld id="{3927E22F-8D88-4B23-AAB8-650FC2E1ECFD}" type="datetimeFigureOut">
               <a:rPr lang="en-US" smtClean="0"/>
-              <a:t>5/23/2018</a:t>
+              <a:t>6/8/2018</a:t>
             </a:fld>
             <a:endParaRPr lang="en-US"/>
           </a:p>
@@ -3011,11 +3011,7 @@
             </a:r>
             <a:r>
               <a:rPr lang="en-US" dirty="0" smtClean="0"/>
-              <a:t> </a:t>
-            </a:r>
-            <a:r>
-              <a:rPr lang="en-US" dirty="0" smtClean="0"/>
-              <a:t>2 Introduction</a:t>
+              <a:t> 2 Introduction</a:t>
             </a:r>
             <a:endParaRPr lang="en-US" dirty="0"/>
           </a:p>
